--- a/004. UNet/04. UNet.pptx
+++ b/004. UNet/04. UNet.pptx
@@ -244,7 +244,7 @@
           <a:p>
             <a:fld id="{19CE5D42-0500-4472-901F-236A00EACE0C}" type="datetimeFigureOut">
               <a:rPr lang="ko-KR" altLang="en-US" smtClean="0"/>
-              <a:t>2021-01-08</a:t>
+              <a:t>2021-01-10</a:t>
             </a:fld>
             <a:endParaRPr lang="ko-KR" altLang="en-US"/>
           </a:p>
@@ -422,7 +422,7 @@
           <a:p>
             <a:fld id="{86EB6137-3C75-462B-80F3-814A34616123}" type="datetimeFigureOut">
               <a:rPr lang="ko-KR" altLang="en-US" smtClean="0"/>
-              <a:t>2021-01-08</a:t>
+              <a:t>2021-01-10</a:t>
             </a:fld>
             <a:endParaRPr lang="ko-KR" altLang="en-US"/>
           </a:p>
@@ -837,7 +837,7 @@
           <a:p>
             <a:fld id="{428FEE73-7165-4F46-91BE-835012AA0171}" type="datetime1">
               <a:rPr lang="ko-KR" altLang="en-US" smtClean="0"/>
-              <a:t>2021-01-08</a:t>
+              <a:t>2021-01-10</a:t>
             </a:fld>
             <a:endParaRPr lang="ko-KR" altLang="en-US"/>
           </a:p>
@@ -1040,7 +1040,7 @@
           <a:p>
             <a:fld id="{2B19A109-94A5-40A2-8695-9C0837402487}" type="datetime1">
               <a:rPr lang="ko-KR" altLang="en-US" smtClean="0"/>
-              <a:t>2021-01-08</a:t>
+              <a:t>2021-01-10</a:t>
             </a:fld>
             <a:endParaRPr lang="ko-KR" altLang="en-US"/>
           </a:p>
@@ -1248,7 +1248,7 @@
           <a:p>
             <a:fld id="{DDBD9278-D355-4A5F-B0C4-D51C979D7F00}" type="datetime1">
               <a:rPr lang="ko-KR" altLang="en-US" smtClean="0"/>
-              <a:t>2021-01-08</a:t>
+              <a:t>2021-01-10</a:t>
             </a:fld>
             <a:endParaRPr lang="ko-KR" altLang="en-US"/>
           </a:p>
@@ -1446,7 +1446,7 @@
           <a:p>
             <a:fld id="{23769CE9-5FD7-40F4-B9F0-AD4D4AD31E40}" type="datetime1">
               <a:rPr lang="ko-KR" altLang="en-US" smtClean="0"/>
-              <a:t>2021-01-08</a:t>
+              <a:t>2021-01-10</a:t>
             </a:fld>
             <a:endParaRPr lang="ko-KR" altLang="en-US"/>
           </a:p>
@@ -1721,7 +1721,7 @@
           <a:p>
             <a:fld id="{8190428F-3EA1-445A-BE9C-D16E0719B5FD}" type="datetime1">
               <a:rPr lang="ko-KR" altLang="en-US" smtClean="0"/>
-              <a:t>2021-01-08</a:t>
+              <a:t>2021-01-10</a:t>
             </a:fld>
             <a:endParaRPr lang="ko-KR" altLang="en-US"/>
           </a:p>
@@ -1986,7 +1986,7 @@
           <a:p>
             <a:fld id="{8EF23162-672F-4071-B524-FFC70DDA7717}" type="datetime1">
               <a:rPr lang="ko-KR" altLang="en-US" smtClean="0"/>
-              <a:t>2021-01-08</a:t>
+              <a:t>2021-01-10</a:t>
             </a:fld>
             <a:endParaRPr lang="ko-KR" altLang="en-US"/>
           </a:p>
@@ -2398,7 +2398,7 @@
           <a:p>
             <a:fld id="{36D5EBC6-1903-45B5-8F4E-8973A76DA065}" type="datetime1">
               <a:rPr lang="ko-KR" altLang="en-US" smtClean="0"/>
-              <a:t>2021-01-08</a:t>
+              <a:t>2021-01-10</a:t>
             </a:fld>
             <a:endParaRPr lang="ko-KR" altLang="en-US"/>
           </a:p>
@@ -2539,7 +2539,7 @@
           <a:p>
             <a:fld id="{FE39A705-57F0-449D-A35E-8163D5843B4A}" type="datetime1">
               <a:rPr lang="ko-KR" altLang="en-US" smtClean="0"/>
-              <a:t>2021-01-08</a:t>
+              <a:t>2021-01-10</a:t>
             </a:fld>
             <a:endParaRPr lang="ko-KR" altLang="en-US"/>
           </a:p>
@@ -2652,7 +2652,7 @@
           <a:p>
             <a:fld id="{6F6E2529-3F61-4F60-B253-8BBD9A1E1909}" type="datetime1">
               <a:rPr lang="ko-KR" altLang="en-US" smtClean="0"/>
-              <a:t>2021-01-08</a:t>
+              <a:t>2021-01-10</a:t>
             </a:fld>
             <a:endParaRPr lang="ko-KR" altLang="en-US"/>
           </a:p>
@@ -2963,7 +2963,7 @@
           <a:p>
             <a:fld id="{96BE1E26-BCF9-44C3-AF17-73BB9F8C6A10}" type="datetime1">
               <a:rPr lang="ko-KR" altLang="en-US" smtClean="0"/>
-              <a:t>2021-01-08</a:t>
+              <a:t>2021-01-10</a:t>
             </a:fld>
             <a:endParaRPr lang="ko-KR" altLang="en-US"/>
           </a:p>
@@ -3251,7 +3251,7 @@
           <a:p>
             <a:fld id="{24AEE14A-8F13-4716-9E78-5A06D8C71284}" type="datetime1">
               <a:rPr lang="ko-KR" altLang="en-US" smtClean="0"/>
-              <a:t>2021-01-08</a:t>
+              <a:t>2021-01-10</a:t>
             </a:fld>
             <a:endParaRPr lang="ko-KR" altLang="en-US"/>
           </a:p>
@@ -3492,7 +3492,7 @@
           <a:p>
             <a:fld id="{E5BF4E3D-AF70-4EE4-99C5-6A97611684C5}" type="datetime1">
               <a:rPr lang="ko-KR" altLang="en-US" smtClean="0"/>
-              <a:t>2021-01-08</a:t>
+              <a:t>2021-01-10</a:t>
             </a:fld>
             <a:endParaRPr lang="ko-KR" altLang="en-US"/>
           </a:p>
@@ -5307,69 +5307,104 @@
               <a:buAutoNum type="arabicPeriod"/>
             </a:pPr>
             <a:r>
-              <a:rPr lang="ko-KR" altLang="en-US" sz="2000">
-                <a:latin typeface="나눔스퀘어" panose="020B0600000101010101" pitchFamily="50" charset="-127"/>
-                <a:ea typeface="나눔스퀘어" panose="020B0600000101010101" pitchFamily="50" charset="-127"/>
-              </a:rPr>
-              <a:t>기본적인 딥러닝은 파라미터가 많고 네트워크가 깊어서 학습데이터가 많이 필요하고 보통의 </a:t>
-            </a:r>
-            <a:r>
-              <a:rPr lang="en-US" altLang="ko-KR" sz="2000">
+              <a:rPr lang="ko-KR" altLang="en-US" sz="2000" dirty="0">
+                <a:latin typeface="나눔스퀘어" panose="020B0600000101010101" pitchFamily="50" charset="-127"/>
+                <a:ea typeface="나눔스퀘어" panose="020B0600000101010101" pitchFamily="50" charset="-127"/>
+              </a:rPr>
+              <a:t>기본적인 </a:t>
+            </a:r>
+            <a:r>
+              <a:rPr lang="ko-KR" altLang="en-US" sz="2000" dirty="0" err="1">
+                <a:latin typeface="나눔스퀘어" panose="020B0600000101010101" pitchFamily="50" charset="-127"/>
+                <a:ea typeface="나눔스퀘어" panose="020B0600000101010101" pitchFamily="50" charset="-127"/>
+              </a:rPr>
+              <a:t>딥러닝은</a:t>
+            </a:r>
+            <a:r>
+              <a:rPr lang="ko-KR" altLang="en-US" sz="2000" dirty="0">
+                <a:latin typeface="나눔스퀘어" panose="020B0600000101010101" pitchFamily="50" charset="-127"/>
+                <a:ea typeface="나눔스퀘어" panose="020B0600000101010101" pitchFamily="50" charset="-127"/>
+              </a:rPr>
+              <a:t> 파라미터가 많고 네트워크가 깊어서 학습데이터가 많이 필요하고 보통의 </a:t>
+            </a:r>
+            <a:r>
+              <a:rPr lang="en-US" altLang="ko-KR" sz="2000" dirty="0">
                 <a:latin typeface="나눔스퀘어" panose="020B0600000101010101" pitchFamily="50" charset="-127"/>
                 <a:ea typeface="나눔스퀘어" panose="020B0600000101010101" pitchFamily="50" charset="-127"/>
               </a:rPr>
               <a:t>ImageNet dataset</a:t>
             </a:r>
             <a:r>
-              <a:rPr lang="ko-KR" altLang="en-US" sz="2000">
+              <a:rPr lang="ko-KR" altLang="en-US" sz="2000" dirty="0">
                 <a:latin typeface="나눔스퀘어" panose="020B0600000101010101" pitchFamily="50" charset="-127"/>
                 <a:ea typeface="나눔스퀘어" panose="020B0600000101010101" pitchFamily="50" charset="-127"/>
               </a:rPr>
               <a:t>을 이용해서 학습한 모델은 </a:t>
             </a:r>
             <a:r>
-              <a:rPr lang="en-US" altLang="ko-KR" sz="2000">
+              <a:rPr lang="en-US" altLang="ko-KR" sz="2000" dirty="0">
                 <a:latin typeface="나눔스퀘어" panose="020B0600000101010101" pitchFamily="50" charset="-127"/>
                 <a:ea typeface="나눔스퀘어" panose="020B0600000101010101" pitchFamily="50" charset="-127"/>
               </a:rPr>
               <a:t>1</a:t>
             </a:r>
             <a:r>
-              <a:rPr lang="ko-KR" altLang="en-US" sz="2000">
+              <a:rPr lang="ko-KR" altLang="en-US" sz="2000" dirty="0">
                 <a:latin typeface="나눔스퀘어" panose="020B0600000101010101" pitchFamily="50" charset="-127"/>
                 <a:ea typeface="나눔스퀘어" panose="020B0600000101010101" pitchFamily="50" charset="-127"/>
               </a:rPr>
               <a:t>개의 </a:t>
             </a:r>
             <a:r>
-              <a:rPr lang="en-US" altLang="ko-KR" sz="2000">
+              <a:rPr lang="en-US" altLang="ko-KR" sz="2000" dirty="0">
                 <a:latin typeface="나눔스퀘어" panose="020B0600000101010101" pitchFamily="50" charset="-127"/>
                 <a:ea typeface="나눔스퀘어" panose="020B0600000101010101" pitchFamily="50" charset="-127"/>
               </a:rPr>
               <a:t>Output</a:t>
             </a:r>
             <a:r>
-              <a:rPr lang="ko-KR" altLang="en-US" sz="2000">
-                <a:latin typeface="나눔스퀘어" panose="020B0600000101010101" pitchFamily="50" charset="-127"/>
-                <a:ea typeface="나눔스퀘어" panose="020B0600000101010101" pitchFamily="50" charset="-127"/>
-              </a:rPr>
-              <a:t>을 필요로하는 </a:t>
-            </a:r>
-            <a:r>
-              <a:rPr lang="en-US" altLang="ko-KR" sz="2000">
-                <a:latin typeface="나눔스퀘어" panose="020B0600000101010101" pitchFamily="50" charset="-127"/>
-                <a:ea typeface="나눔스퀘어" panose="020B0600000101010101" pitchFamily="50" charset="-127"/>
-              </a:rPr>
-              <a:t>Classficiation </a:t>
-            </a:r>
-            <a:r>
-              <a:rPr lang="ko-KR" altLang="en-US" sz="2000">
+              <a:rPr lang="ko-KR" altLang="en-US" sz="2000" dirty="0">
+                <a:latin typeface="나눔스퀘어" panose="020B0600000101010101" pitchFamily="50" charset="-127"/>
+                <a:ea typeface="나눔스퀘어" panose="020B0600000101010101" pitchFamily="50" charset="-127"/>
+              </a:rPr>
+              <a:t>을 </a:t>
+            </a:r>
+            <a:r>
+              <a:rPr lang="ko-KR" altLang="en-US" sz="2000" dirty="0" err="1">
+                <a:latin typeface="나눔스퀘어" panose="020B0600000101010101" pitchFamily="50" charset="-127"/>
+                <a:ea typeface="나눔스퀘어" panose="020B0600000101010101" pitchFamily="50" charset="-127"/>
+              </a:rPr>
+              <a:t>필요로하는</a:t>
+            </a:r>
+            <a:r>
+              <a:rPr lang="ko-KR" altLang="en-US" sz="2000" dirty="0">
+                <a:latin typeface="나눔스퀘어" panose="020B0600000101010101" pitchFamily="50" charset="-127"/>
+                <a:ea typeface="나눔스퀘어" panose="020B0600000101010101" pitchFamily="50" charset="-127"/>
+              </a:rPr>
+              <a:t> </a:t>
+            </a:r>
+            <a:r>
+              <a:rPr lang="en-US" altLang="ko-KR" sz="2000" dirty="0" err="1">
+                <a:latin typeface="나눔스퀘어" panose="020B0600000101010101" pitchFamily="50" charset="-127"/>
+                <a:ea typeface="나눔스퀘어" panose="020B0600000101010101" pitchFamily="50" charset="-127"/>
+              </a:rPr>
+              <a:t>Classficiation</a:t>
+            </a:r>
+            <a:r>
+              <a:rPr lang="en-US" altLang="ko-KR" sz="2000" dirty="0">
+                <a:latin typeface="나눔스퀘어" panose="020B0600000101010101" pitchFamily="50" charset="-127"/>
+                <a:ea typeface="나눔스퀘어" panose="020B0600000101010101" pitchFamily="50" charset="-127"/>
+              </a:rPr>
+              <a:t> </a:t>
+            </a:r>
+            <a:r>
+              <a:rPr lang="ko-KR" altLang="en-US" sz="2000" dirty="0" err="1">
                 <a:latin typeface="나눔스퀘어" panose="020B0600000101010101" pitchFamily="50" charset="-127"/>
                 <a:ea typeface="나눔스퀘어" panose="020B0600000101010101" pitchFamily="50" charset="-127"/>
               </a:rPr>
               <a:t>테스크임</a:t>
             </a:r>
-            <a:endParaRPr lang="en-US" altLang="ko-KR" sz="2000">
+            <a:endParaRPr lang="en-US" altLang="ko-KR" sz="2000" dirty="0">
               <a:latin typeface="나눔스퀘어" panose="020B0600000101010101" pitchFamily="50" charset="-127"/>
               <a:ea typeface="나눔스퀘어" panose="020B0600000101010101" pitchFamily="50" charset="-127"/>
             </a:endParaRPr>
@@ -5377,13 +5412,13 @@
           <a:p>
             <a:pPr lvl="1" latinLnBrk="0"/>
             <a:r>
-              <a:rPr lang="ko-KR" altLang="en-US" sz="2000">
+              <a:rPr lang="ko-KR" altLang="en-US" sz="2000" dirty="0">
                 <a:latin typeface="나눔스퀘어" panose="020B0600000101010101" pitchFamily="50" charset="-127"/>
                 <a:ea typeface="나눔스퀘어" panose="020B0600000101010101" pitchFamily="50" charset="-127"/>
               </a:rPr>
               <a:t> </a:t>
             </a:r>
-            <a:endParaRPr lang="en-US" altLang="ko-KR" sz="2000">
+            <a:endParaRPr lang="en-US" altLang="ko-KR" sz="2000" dirty="0">
               <a:latin typeface="나눔스퀘어" panose="020B0600000101010101" pitchFamily="50" charset="-127"/>
               <a:ea typeface="나눔스퀘어" panose="020B0600000101010101" pitchFamily="50" charset="-127"/>
             </a:endParaRPr>
@@ -5394,48 +5429,76 @@
               <a:buAutoNum type="arabicPeriod"/>
             </a:pPr>
             <a:r>
-              <a:rPr lang="en-US" altLang="ko-KR" sz="2000">
+              <a:rPr lang="en-US" altLang="ko-KR" sz="2000" dirty="0">
                 <a:latin typeface="나눔스퀘어" panose="020B0600000101010101" pitchFamily="50" charset="-127"/>
                 <a:ea typeface="나눔스퀘어" panose="020B0600000101010101" pitchFamily="50" charset="-127"/>
               </a:rPr>
               <a:t>Biomedical </a:t>
             </a:r>
             <a:r>
-              <a:rPr lang="ko-KR" altLang="en-US" sz="2000">
+              <a:rPr lang="ko-KR" altLang="en-US" sz="2000" dirty="0">
                 <a:latin typeface="나눔스퀘어" panose="020B0600000101010101" pitchFamily="50" charset="-127"/>
                 <a:ea typeface="나눔스퀘어" panose="020B0600000101010101" pitchFamily="50" charset="-127"/>
               </a:rPr>
               <a:t>분야에서는 데이터의 수가 적고 </a:t>
             </a:r>
             <a:r>
-              <a:rPr lang="en-US" altLang="ko-KR" sz="2000">
+              <a:rPr lang="en-US" altLang="ko-KR" sz="2000" dirty="0">
                 <a:latin typeface="나눔스퀘어" panose="020B0600000101010101" pitchFamily="50" charset="-127"/>
                 <a:ea typeface="나눔스퀘어" panose="020B0600000101010101" pitchFamily="50" charset="-127"/>
               </a:rPr>
               <a:t>localization </a:t>
             </a:r>
             <a:r>
-              <a:rPr lang="ko-KR" altLang="en-US" sz="2000">
-                <a:latin typeface="나눔스퀘어" panose="020B0600000101010101" pitchFamily="50" charset="-127"/>
-                <a:ea typeface="나눔스퀘어" panose="020B0600000101010101" pitchFamily="50" charset="-127"/>
-              </a:rPr>
-              <a:t>정보 뿐만아니라 모든 픽셀에 대해 </a:t>
-            </a:r>
-            <a:r>
-              <a:rPr lang="en-US" altLang="ko-KR" sz="2000">
+              <a:rPr lang="ko-KR" altLang="en-US" sz="2000" dirty="0">
+                <a:latin typeface="나눔스퀘어" panose="020B0600000101010101" pitchFamily="50" charset="-127"/>
+                <a:ea typeface="나눔스퀘어" panose="020B0600000101010101" pitchFamily="50" charset="-127"/>
+              </a:rPr>
+              <a:t>정보 </a:t>
+            </a:r>
+            <a:r>
+              <a:rPr lang="ko-KR" altLang="en-US" sz="2000" dirty="0" err="1">
+                <a:latin typeface="나눔스퀘어" panose="020B0600000101010101" pitchFamily="50" charset="-127"/>
+                <a:ea typeface="나눔스퀘어" panose="020B0600000101010101" pitchFamily="50" charset="-127"/>
+              </a:rPr>
+              <a:t>뿐만아니라</a:t>
+            </a:r>
+            <a:r>
+              <a:rPr lang="ko-KR" altLang="en-US" sz="2000" dirty="0">
+                <a:latin typeface="나눔스퀘어" panose="020B0600000101010101" pitchFamily="50" charset="-127"/>
+                <a:ea typeface="나눔스퀘어" panose="020B0600000101010101" pitchFamily="50" charset="-127"/>
+              </a:rPr>
+              <a:t> 모든 픽셀에 대해 </a:t>
+            </a:r>
+            <a:r>
+              <a:rPr lang="en-US" altLang="ko-KR" sz="2000" dirty="0">
                 <a:latin typeface="나눔스퀘어" panose="020B0600000101010101" pitchFamily="50" charset="-127"/>
                 <a:ea typeface="나눔스퀘어" panose="020B0600000101010101" pitchFamily="50" charset="-127"/>
               </a:rPr>
               <a:t>class label</a:t>
             </a:r>
             <a:r>
-              <a:rPr lang="ko-KR" altLang="en-US" sz="2000">
-                <a:latin typeface="나눔스퀘어" panose="020B0600000101010101" pitchFamily="50" charset="-127"/>
-                <a:ea typeface="나눔스퀘어" panose="020B0600000101010101" pitchFamily="50" charset="-127"/>
-              </a:rPr>
-              <a:t>을 부여해야함 </a:t>
-            </a:r>
-            <a:endParaRPr lang="en-US" altLang="ko-KR" sz="2000">
+              <a:rPr lang="ko-KR" altLang="en-US" sz="2000" dirty="0">
+                <a:latin typeface="나눔스퀘어" panose="020B0600000101010101" pitchFamily="50" charset="-127"/>
+                <a:ea typeface="나눔스퀘어" panose="020B0600000101010101" pitchFamily="50" charset="-127"/>
+              </a:rPr>
+              <a:t>을 </a:t>
+            </a:r>
+            <a:r>
+              <a:rPr lang="ko-KR" altLang="en-US" sz="2000" dirty="0" err="1">
+                <a:latin typeface="나눔스퀘어" panose="020B0600000101010101" pitchFamily="50" charset="-127"/>
+                <a:ea typeface="나눔스퀘어" panose="020B0600000101010101" pitchFamily="50" charset="-127"/>
+              </a:rPr>
+              <a:t>부여해야함</a:t>
+            </a:r>
+            <a:r>
+              <a:rPr lang="ko-KR" altLang="en-US" sz="2000" dirty="0">
+                <a:latin typeface="나눔스퀘어" panose="020B0600000101010101" pitchFamily="50" charset="-127"/>
+                <a:ea typeface="나눔스퀘어" panose="020B0600000101010101" pitchFamily="50" charset="-127"/>
+              </a:rPr>
+              <a:t> </a:t>
+            </a:r>
+            <a:endParaRPr lang="en-US" altLang="ko-KR" sz="2000" dirty="0">
               <a:latin typeface="나눔스퀘어" panose="020B0600000101010101" pitchFamily="50" charset="-127"/>
               <a:ea typeface="나눔스퀘어" panose="020B0600000101010101" pitchFamily="50" charset="-127"/>
             </a:endParaRPr>
@@ -5446,34 +5509,41 @@
               <a:buChar char="•"/>
             </a:pPr>
             <a:r>
-              <a:rPr lang="en-US" altLang="ko-KR">
-                <a:latin typeface="나눔스퀘어" panose="020B0600000101010101" pitchFamily="50" charset="-127"/>
-                <a:ea typeface="나눔스퀘어" panose="020B0600000101010101" pitchFamily="50" charset="-127"/>
-              </a:rPr>
-              <a:t>Ciresan[2]</a:t>
-            </a:r>
-            <a:r>
-              <a:rPr lang="ko-KR" altLang="en-US">
+              <a:rPr lang="en-US" altLang="ko-KR" dirty="0" err="1">
+                <a:latin typeface="나눔스퀘어" panose="020B0600000101010101" pitchFamily="50" charset="-127"/>
+                <a:ea typeface="나눔스퀘어" panose="020B0600000101010101" pitchFamily="50" charset="-127"/>
+              </a:rPr>
+              <a:t>Ciresan</a:t>
+            </a:r>
+            <a:r>
+              <a:rPr lang="en-US" altLang="ko-KR" dirty="0">
+                <a:latin typeface="나눔스퀘어" panose="020B0600000101010101" pitchFamily="50" charset="-127"/>
+                <a:ea typeface="나눔스퀘어" panose="020B0600000101010101" pitchFamily="50" charset="-127"/>
+              </a:rPr>
+              <a:t>[2]</a:t>
+            </a:r>
+            <a:r>
+              <a:rPr lang="ko-KR" altLang="en-US" dirty="0">
                 <a:latin typeface="나눔스퀘어" panose="020B0600000101010101" pitchFamily="50" charset="-127"/>
                 <a:ea typeface="나눔스퀘어" panose="020B0600000101010101" pitchFamily="50" charset="-127"/>
               </a:rPr>
               <a:t>의 경우 이를 해결하기 위해서 </a:t>
             </a:r>
             <a:r>
-              <a:rPr lang="en-US" altLang="ko-KR">
+              <a:rPr lang="en-US" altLang="ko-KR" dirty="0">
                 <a:latin typeface="나눔스퀘어" panose="020B0600000101010101" pitchFamily="50" charset="-127"/>
                 <a:ea typeface="나눔스퀘어" panose="020B0600000101010101" pitchFamily="50" charset="-127"/>
               </a:rPr>
               <a:t>Sliding Window </a:t>
             </a:r>
             <a:r>
-              <a:rPr lang="ko-KR" altLang="en-US">
+              <a:rPr lang="ko-KR" altLang="en-US" dirty="0">
                 <a:latin typeface="나눔스퀘어" panose="020B0600000101010101" pitchFamily="50" charset="-127"/>
                 <a:ea typeface="나눔스퀘어" panose="020B0600000101010101" pitchFamily="50" charset="-127"/>
               </a:rPr>
               <a:t>방식을 통해 학습을 진행</a:t>
             </a:r>
-            <a:endParaRPr lang="en-US" altLang="ko-KR">
+            <a:endParaRPr lang="en-US" altLang="ko-KR" dirty="0">
               <a:latin typeface="나눔스퀘어" panose="020B0600000101010101" pitchFamily="50" charset="-127"/>
               <a:ea typeface="나눔스퀘어" panose="020B0600000101010101" pitchFamily="50" charset="-127"/>
             </a:endParaRPr>
@@ -5484,20 +5554,20 @@
               <a:buChar char="•"/>
             </a:pPr>
             <a:r>
-              <a:rPr lang="en-US" altLang="ko-KR">
+              <a:rPr lang="en-US" altLang="ko-KR" dirty="0">
                 <a:latin typeface="나눔스퀘어" panose="020B0600000101010101" pitchFamily="50" charset="-127"/>
                 <a:ea typeface="나눔스퀘어" panose="020B0600000101010101" pitchFamily="50" charset="-127"/>
               </a:rPr>
               <a:t>Localize</a:t>
             </a:r>
             <a:r>
-              <a:rPr lang="ko-KR" altLang="en-US">
+              <a:rPr lang="ko-KR" altLang="en-US" dirty="0">
                 <a:latin typeface="나눔스퀘어" panose="020B0600000101010101" pitchFamily="50" charset="-127"/>
                 <a:ea typeface="나눔스퀘어" panose="020B0600000101010101" pitchFamily="50" charset="-127"/>
               </a:rPr>
               <a:t>가 가능함 </a:t>
             </a:r>
-            <a:endParaRPr lang="en-US" altLang="ko-KR">
+            <a:endParaRPr lang="en-US" altLang="ko-KR" dirty="0">
               <a:latin typeface="나눔스퀘어" panose="020B0600000101010101" pitchFamily="50" charset="-127"/>
               <a:ea typeface="나눔스퀘어" panose="020B0600000101010101" pitchFamily="50" charset="-127"/>
             </a:endParaRPr>
@@ -5508,20 +5578,20 @@
               <a:buChar char="•"/>
             </a:pPr>
             <a:r>
-              <a:rPr lang="en-US" altLang="ko-KR">
+              <a:rPr lang="en-US" altLang="ko-KR" dirty="0">
                 <a:latin typeface="나눔스퀘어" panose="020B0600000101010101" pitchFamily="50" charset="-127"/>
                 <a:ea typeface="나눔스퀘어" panose="020B0600000101010101" pitchFamily="50" charset="-127"/>
               </a:rPr>
               <a:t>patch </a:t>
             </a:r>
             <a:r>
-              <a:rPr lang="ko-KR" altLang="en-US">
+              <a:rPr lang="ko-KR" altLang="en-US" dirty="0">
                 <a:latin typeface="나눔스퀘어" panose="020B0600000101010101" pitchFamily="50" charset="-127"/>
                 <a:ea typeface="나눔스퀘어" panose="020B0600000101010101" pitchFamily="50" charset="-127"/>
               </a:rPr>
               <a:t>단위의 학습을 할 경우 데이터의 양이 많아지는 효과가 있음 </a:t>
             </a:r>
-            <a:endParaRPr lang="en-US" altLang="ko-KR">
+            <a:endParaRPr lang="en-US" altLang="ko-KR" dirty="0">
               <a:latin typeface="나눔스퀘어" panose="020B0600000101010101" pitchFamily="50" charset="-127"/>
               <a:ea typeface="나눔스퀘어" panose="020B0600000101010101" pitchFamily="50" charset="-127"/>
             </a:endParaRPr>
@@ -5532,20 +5602,50 @@
               <a:buChar char="•"/>
             </a:pPr>
             <a:r>
-              <a:rPr lang="en-US" altLang="ko-KR">
+              <a:rPr lang="en-US" altLang="ko-KR" dirty="0">
                 <a:latin typeface="나눔스퀘어" panose="020B0600000101010101" pitchFamily="50" charset="-127"/>
                 <a:ea typeface="나눔스퀘어" panose="020B0600000101010101" pitchFamily="50" charset="-127"/>
               </a:rPr>
               <a:t>EM segmentation challenge</a:t>
             </a:r>
             <a:r>
-              <a:rPr lang="ko-KR" altLang="en-US">
+              <a:rPr lang="ko-KR" altLang="en-US" dirty="0">
                 <a:latin typeface="나눔스퀘어" panose="020B0600000101010101" pitchFamily="50" charset="-127"/>
                 <a:ea typeface="나눔스퀘어" panose="020B0600000101010101" pitchFamily="50" charset="-127"/>
               </a:rPr>
               <a:t>에서 좋은 결과를 가져옴  </a:t>
             </a:r>
-            <a:endParaRPr lang="en-US" altLang="ko-KR">
+            <a:endParaRPr lang="en-US" altLang="ko-KR" dirty="0">
+              <a:latin typeface="나눔스퀘어" panose="020B0600000101010101" pitchFamily="50" charset="-127"/>
+              <a:ea typeface="나눔스퀘어" panose="020B0600000101010101" pitchFamily="50" charset="-127"/>
+            </a:endParaRPr>
+          </a:p>
+          <a:p>
+            <a:pPr marL="457200" indent="-457200" latinLnBrk="0">
+              <a:buFontTx/>
+              <a:buAutoNum type="arabicPeriod"/>
+            </a:pPr>
+            <a:endParaRPr lang="en-US" altLang="ko-KR" sz="2000" dirty="0">
+              <a:latin typeface="나눔스퀘어" panose="020B0600000101010101" pitchFamily="50" charset="-127"/>
+              <a:ea typeface="나눔스퀘어" panose="020B0600000101010101" pitchFamily="50" charset="-127"/>
+            </a:endParaRPr>
+          </a:p>
+          <a:p>
+            <a:pPr marL="457200" indent="-457200" latinLnBrk="0">
+              <a:buFontTx/>
+              <a:buAutoNum type="arabicPeriod"/>
+            </a:pPr>
+            <a:endParaRPr lang="en-US" altLang="ko-KR" sz="2000" dirty="0">
+              <a:latin typeface="나눔스퀘어" panose="020B0600000101010101" pitchFamily="50" charset="-127"/>
+              <a:ea typeface="나눔스퀘어" panose="020B0600000101010101" pitchFamily="50" charset="-127"/>
+            </a:endParaRPr>
+          </a:p>
+          <a:p>
+            <a:pPr marL="457200" indent="-457200" latinLnBrk="0">
+              <a:buFontTx/>
+              <a:buAutoNum type="arabicPeriod"/>
+            </a:pPr>
+            <a:endParaRPr lang="en-US" altLang="ko-KR" sz="2000" dirty="0">
               <a:latin typeface="나눔스퀘어" panose="020B0600000101010101" pitchFamily="50" charset="-127"/>
               <a:ea typeface="나눔스퀘어" panose="020B0600000101010101" pitchFamily="50" charset="-127"/>
             </a:endParaRPr>
@@ -5575,7 +5675,7 @@
               <a:buFontTx/>
               <a:buAutoNum type="arabicPeriod"/>
             </a:pPr>
-            <a:endParaRPr lang="en-US" altLang="ko-KR" sz="2000">
+            <a:endParaRPr lang="en-US" altLang="ko-KR" sz="2000" dirty="0">
               <a:latin typeface="나눔스퀘어" panose="020B0600000101010101" pitchFamily="50" charset="-127"/>
               <a:ea typeface="나눔스퀘어" panose="020B0600000101010101" pitchFamily="50" charset="-127"/>
             </a:endParaRPr>
@@ -5585,37 +5685,7 @@
               <a:buFontTx/>
               <a:buAutoNum type="arabicPeriod"/>
             </a:pPr>
-            <a:endParaRPr lang="en-US" altLang="ko-KR" sz="2000">
-              <a:latin typeface="나눔스퀘어" panose="020B0600000101010101" pitchFamily="50" charset="-127"/>
-              <a:ea typeface="나눔스퀘어" panose="020B0600000101010101" pitchFamily="50" charset="-127"/>
-            </a:endParaRPr>
-          </a:p>
-          <a:p>
-            <a:pPr marL="457200" indent="-457200" latinLnBrk="0">
-              <a:buFontTx/>
-              <a:buAutoNum type="arabicPeriod"/>
-            </a:pPr>
-            <a:endParaRPr lang="en-US" altLang="ko-KR" sz="2000">
-              <a:latin typeface="나눔스퀘어" panose="020B0600000101010101" pitchFamily="50" charset="-127"/>
-              <a:ea typeface="나눔스퀘어" panose="020B0600000101010101" pitchFamily="50" charset="-127"/>
-            </a:endParaRPr>
-          </a:p>
-          <a:p>
-            <a:pPr marL="457200" indent="-457200" latinLnBrk="0">
-              <a:buFontTx/>
-              <a:buAutoNum type="arabicPeriod"/>
-            </a:pPr>
-            <a:endParaRPr lang="en-US" altLang="ko-KR" sz="2000">
-              <a:latin typeface="나눔스퀘어" panose="020B0600000101010101" pitchFamily="50" charset="-127"/>
-              <a:ea typeface="나눔스퀘어" panose="020B0600000101010101" pitchFamily="50" charset="-127"/>
-            </a:endParaRPr>
-          </a:p>
-          <a:p>
-            <a:pPr marL="457200" indent="-457200" latinLnBrk="0">
-              <a:buFontTx/>
-              <a:buAutoNum type="arabicPeriod"/>
-            </a:pPr>
-            <a:endParaRPr lang="en-US" altLang="ko-KR" sz="2000">
+            <a:endParaRPr lang="en-US" altLang="ko-KR" sz="2000" dirty="0">
               <a:latin typeface="나눔스퀘어" panose="020B0600000101010101" pitchFamily="50" charset="-127"/>
               <a:ea typeface="나눔스퀘어" panose="020B0600000101010101" pitchFamily="50" charset="-127"/>
             </a:endParaRPr>
